--- a/Sumit .Resume new.pptx
+++ b/Sumit .Resume new.pptx
@@ -133,6 +133,59 @@
     </p:ext>
   </p:extLst>
 </p:presentation>
+</file>
+
+<file path=ppt/revisionInfo.xml><?xml version="1.0" encoding="utf-8"?>
+<p1510:revInfo xmlns:a="http://schemas.openxmlformats.org/drawingml/2006/main" xmlns:r="http://schemas.openxmlformats.org/officeDocument/2006/relationships" xmlns:p1510="http://schemas.microsoft.com/office/powerpoint/2015/10/main">
+  <p1510:revLst>
+    <p1510:client id="{70D8CBB7-99D5-47F6-A0A0-A2CF09C0E5B9}" v="2" dt="2022-05-06T06:47:09.507"/>
+  </p1510:revLst>
+</p1510:revInfo>
+</file>
+
+<file path=ppt/changesInfos/changesInfo1.xml><?xml version="1.0" encoding="utf-8"?>
+<pc:chgInfo xmlns:a="http://schemas.openxmlformats.org/drawingml/2006/main" xmlns:r="http://schemas.openxmlformats.org/officeDocument/2006/relationships" xmlns:ac="http://schemas.microsoft.com/office/drawing/2013/main/command" xmlns:pc="http://schemas.microsoft.com/office/powerpoint/2013/main/command">
+  <pc:docChgLst>
+    <pc:chgData name="Rajesh Gangotri, Sumit" userId="3d02dafd-3120-4a9b-9a3d-c2a0c4128d42" providerId="ADAL" clId="{70D8CBB7-99D5-47F6-A0A0-A2CF09C0E5B9}"/>
+    <pc:docChg chg="undo custSel modSld">
+      <pc:chgData name="Rajesh Gangotri, Sumit" userId="3d02dafd-3120-4a9b-9a3d-c2a0c4128d42" providerId="ADAL" clId="{70D8CBB7-99D5-47F6-A0A0-A2CF09C0E5B9}" dt="2022-05-06T06:48:03.622" v="14"/>
+      <pc:docMkLst>
+        <pc:docMk/>
+      </pc:docMkLst>
+      <pc:sldChg chg="addSp delSp modSp mod">
+        <pc:chgData name="Rajesh Gangotri, Sumit" userId="3d02dafd-3120-4a9b-9a3d-c2a0c4128d42" providerId="ADAL" clId="{70D8CBB7-99D5-47F6-A0A0-A2CF09C0E5B9}" dt="2022-05-06T06:48:03.622" v="14"/>
+        <pc:sldMkLst>
+          <pc:docMk/>
+          <pc:sldMk cId="0" sldId="560"/>
+        </pc:sldMkLst>
+        <pc:spChg chg="add del mod">
+          <ac:chgData name="Rajesh Gangotri, Sumit" userId="3d02dafd-3120-4a9b-9a3d-c2a0c4128d42" providerId="ADAL" clId="{70D8CBB7-99D5-47F6-A0A0-A2CF09C0E5B9}" dt="2022-05-06T06:48:03.622" v="12"/>
+          <ac:spMkLst>
+            <pc:docMk/>
+            <pc:sldMk cId="0" sldId="560"/>
+            <ac:spMk id="2" creationId="{811BF0E3-ACEA-4260-A94B-2786F5AE7B53}"/>
+          </ac:spMkLst>
+        </pc:spChg>
+        <pc:spChg chg="add del mod">
+          <ac:chgData name="Rajesh Gangotri, Sumit" userId="3d02dafd-3120-4a9b-9a3d-c2a0c4128d42" providerId="ADAL" clId="{70D8CBB7-99D5-47F6-A0A0-A2CF09C0E5B9}" dt="2022-05-06T06:48:03.622" v="14"/>
+          <ac:spMkLst>
+            <pc:docMk/>
+            <pc:sldMk cId="0" sldId="560"/>
+            <ac:spMk id="3" creationId="{6731816C-FF7A-4B43-A526-AD8171596E79}"/>
+          </ac:spMkLst>
+        </pc:spChg>
+        <pc:spChg chg="mod">
+          <ac:chgData name="Rajesh Gangotri, Sumit" userId="3d02dafd-3120-4a9b-9a3d-c2a0c4128d42" providerId="ADAL" clId="{70D8CBB7-99D5-47F6-A0A0-A2CF09C0E5B9}" dt="2022-05-06T06:47:39.278" v="10" actId="115"/>
+          <ac:spMkLst>
+            <pc:docMk/>
+            <pc:sldMk cId="0" sldId="560"/>
+            <ac:spMk id="7175" creationId="{BADEA8C0-D1A3-4608-9E63-683339DCC944}"/>
+          </ac:spMkLst>
+        </pc:spChg>
+      </pc:sldChg>
+    </pc:docChg>
+  </pc:docChgLst>
+</pc:chgInfo>
 </file>
 
 <file path=ppt/handoutMasters/handoutMaster1.xml><?xml version="1.0" encoding="utf-8"?>
@@ -4020,8 +4073,8 @@
           <a:p>
             <a:pPr marL="171450" indent="-171450"/>
             <a:r>
-              <a:rPr lang="en-US" altLang="nl-NL" sz="1200" dirty="0"/>
-              <a:t>			</a:t>
+              <a:rPr lang="en-US" altLang="nl-NL" sz="1400" dirty="0"/>
+              <a:t>		https://github.com/SumitGangotri	</a:t>
             </a:r>
           </a:p>
           <a:p>
@@ -5630,6 +5683,21 @@
 </file>
 
 <file path=customXml/item1.xml><?xml version="1.0" encoding="utf-8"?>
+<p:properties xmlns:p="http://schemas.microsoft.com/office/2006/metadata/properties" xmlns:xsi="http://www.w3.org/2001/XMLSchema-instance" xmlns:pc="http://schemas.microsoft.com/office/infopath/2007/PartnerControls">
+  <documentManagement/>
+</p:properties>
+</file>
+
+<file path=customXml/item2.xml><?xml version="1.0" encoding="utf-8"?>
+<?mso-contentType ?>
+<FormTemplates xmlns="http://schemas.microsoft.com/sharepoint/v3/contenttype/forms">
+  <Display>DocumentLibraryForm</Display>
+  <Edit>DocumentLibraryForm</Edit>
+  <New>DocumentLibraryForm</New>
+</FormTemplates>
+</file>
+
+<file path=customXml/item3.xml><?xml version="1.0" encoding="utf-8"?>
 <ct:contentTypeSchema xmlns:ct="http://schemas.microsoft.com/office/2006/metadata/contentType" xmlns:ma="http://schemas.microsoft.com/office/2006/metadata/properties/metaAttributes" ct:_="" ma:_="" ma:contentTypeName="Document" ma:contentTypeID="0x0101005002ACB8F81EC8489A4DF17045E90748" ma:contentTypeVersion="7" ma:contentTypeDescription="Create a new document." ma:contentTypeScope="" ma:versionID="14eca6baf0dc776edd3b59ffa3a025ba">
   <xsd:schema xmlns:xsd="http://www.w3.org/2001/XMLSchema" xmlns:xs="http://www.w3.org/2001/XMLSchema" xmlns:p="http://schemas.microsoft.com/office/2006/metadata/properties" xmlns:ns3="fd33c62d-2c11-46e7-88a2-e90fa986d9d0" xmlns:ns4="47da6acf-edf2-43bc-9595-f721a214a14e" targetNamespace="http://schemas.microsoft.com/office/2006/metadata/properties" ma:root="true" ma:fieldsID="5aa4caa8a8c18e5332c88e7cf95cf085" ns3:_="" ns4:_="">
     <xsd:import namespace="fd33c62d-2c11-46e7-88a2-e90fa986d9d0"/>
@@ -5814,22 +5882,32 @@
 </ct:contentTypeSchema>
 </file>
 
-<file path=customXml/item2.xml><?xml version="1.0" encoding="utf-8"?>
-<?mso-contentType ?>
-<FormTemplates xmlns="http://schemas.microsoft.com/sharepoint/v3/contenttype/forms">
-  <Display>DocumentLibraryForm</Display>
-  <Edit>DocumentLibraryForm</Edit>
-  <New>DocumentLibraryForm</New>
-</FormTemplates>
+<file path=customXml/itemProps1.xml><?xml version="1.0" encoding="utf-8"?>
+<ds:datastoreItem xmlns:ds="http://schemas.openxmlformats.org/officeDocument/2006/customXml" ds:itemID="{A2EFE742-3A8E-4E5A-B843-9354826E5980}">
+  <ds:schemaRefs>
+    <ds:schemaRef ds:uri="http://purl.org/dc/elements/1.1/"/>
+    <ds:schemaRef ds:uri="http://schemas.microsoft.com/office/2006/metadata/properties"/>
+    <ds:schemaRef ds:uri="47da6acf-edf2-43bc-9595-f721a214a14e"/>
+    <ds:schemaRef ds:uri="http://purl.org/dc/terms/"/>
+    <ds:schemaRef ds:uri="http://schemas.openxmlformats.org/package/2006/metadata/core-properties"/>
+    <ds:schemaRef ds:uri="http://purl.org/dc/dcmitype/"/>
+    <ds:schemaRef ds:uri="fd33c62d-2c11-46e7-88a2-e90fa986d9d0"/>
+    <ds:schemaRef ds:uri="http://schemas.microsoft.com/office/2006/documentManagement/types"/>
+    <ds:schemaRef ds:uri="http://schemas.microsoft.com/office/infopath/2007/PartnerControls"/>
+    <ds:schemaRef ds:uri="http://www.w3.org/XML/1998/namespace"/>
+  </ds:schemaRefs>
+</ds:datastoreItem>
 </file>
 
-<file path=customXml/item3.xml><?xml version="1.0" encoding="utf-8"?>
-<p:properties xmlns:p="http://schemas.microsoft.com/office/2006/metadata/properties" xmlns:xsi="http://www.w3.org/2001/XMLSchema-instance" xmlns:pc="http://schemas.microsoft.com/office/infopath/2007/PartnerControls">
-  <documentManagement/>
-</p:properties>
+<file path=customXml/itemProps2.xml><?xml version="1.0" encoding="utf-8"?>
+<ds:datastoreItem xmlns:ds="http://schemas.openxmlformats.org/officeDocument/2006/customXml" ds:itemID="{86B5E10D-1A37-4C30-B41B-C15D05619982}">
+  <ds:schemaRefs>
+    <ds:schemaRef ds:uri="http://schemas.microsoft.com/sharepoint/v3/contenttype/forms"/>
+  </ds:schemaRefs>
+</ds:datastoreItem>
 </file>
 
-<file path=customXml/itemProps1.xml><?xml version="1.0" encoding="utf-8"?>
+<file path=customXml/itemProps3.xml><?xml version="1.0" encoding="utf-8"?>
 <ds:datastoreItem xmlns:ds="http://schemas.openxmlformats.org/officeDocument/2006/customXml" ds:itemID="{E4D25D96-23E3-4774-8182-19BEEAF42C67}">
   <ds:schemaRefs>
     <ds:schemaRef ds:uri="http://schemas.microsoft.com/office/2006/metadata/contentType"/>
@@ -5846,29 +5924,4 @@
     <ds:schemaRef ds:uri="http://schemas.microsoft.com/internal/obd"/>
   </ds:schemaRefs>
 </ds:datastoreItem>
-</file>
-
-<file path=customXml/itemProps2.xml><?xml version="1.0" encoding="utf-8"?>
-<ds:datastoreItem xmlns:ds="http://schemas.openxmlformats.org/officeDocument/2006/customXml" ds:itemID="{86B5E10D-1A37-4C30-B41B-C15D05619982}">
-  <ds:schemaRefs>
-    <ds:schemaRef ds:uri="http://schemas.microsoft.com/sharepoint/v3/contenttype/forms"/>
-  </ds:schemaRefs>
-</ds:datastoreItem>
-</file>
-
-<file path=customXml/itemProps3.xml><?xml version="1.0" encoding="utf-8"?>
-<ds:datastoreItem xmlns:ds="http://schemas.openxmlformats.org/officeDocument/2006/customXml" ds:itemID="{A2EFE742-3A8E-4E5A-B843-9354826E5980}">
-  <ds:schemaRefs>
-    <ds:schemaRef ds:uri="http://purl.org/dc/elements/1.1/"/>
-    <ds:schemaRef ds:uri="http://schemas.microsoft.com/office/2006/metadata/properties"/>
-    <ds:schemaRef ds:uri="47da6acf-edf2-43bc-9595-f721a214a14e"/>
-    <ds:schemaRef ds:uri="http://purl.org/dc/terms/"/>
-    <ds:schemaRef ds:uri="http://schemas.openxmlformats.org/package/2006/metadata/core-properties"/>
-    <ds:schemaRef ds:uri="http://purl.org/dc/dcmitype/"/>
-    <ds:schemaRef ds:uri="fd33c62d-2c11-46e7-88a2-e90fa986d9d0"/>
-    <ds:schemaRef ds:uri="http://schemas.microsoft.com/office/2006/documentManagement/types"/>
-    <ds:schemaRef ds:uri="http://schemas.microsoft.com/office/infopath/2007/PartnerControls"/>
-    <ds:schemaRef ds:uri="http://www.w3.org/XML/1998/namespace"/>
-  </ds:schemaRefs>
-</ds:datastoreItem>
 </file>